--- a/clinical-research-methodology/results/video01-introduction.pptx
+++ b/clinical-research-methodology/results/video01-introduction.pptx
@@ -227,7 +227,7 @@
           <a:p>
             <a:fld id="{0F9C1CCF-B725-44A7-AA57-5E433BD85C9F}" type="datetimeFigureOut">
               <a:rPr lang="en-US" smtClean="0"/>
-              <a:t>12/30/2018</a:t>
+              <a:t>4/5/2019</a:t>
             </a:fld>
             <a:endParaRPr lang="en-US"/>
           </a:p>
@@ -291,37 +291,38 @@
           <a:p>
             <a:pPr lvl="0"/>
             <a:r>
-              <a:rPr lang="en-US"/>
+              <a:rPr lang="en-US" smtClean="0"/>
               <a:t>Click to edit Master text styles</a:t>
             </a:r>
           </a:p>
           <a:p>
             <a:pPr lvl="1"/>
             <a:r>
-              <a:rPr lang="en-US"/>
+              <a:rPr lang="en-US" smtClean="0"/>
               <a:t>Second level</a:t>
             </a:r>
           </a:p>
           <a:p>
             <a:pPr lvl="2"/>
             <a:r>
-              <a:rPr lang="en-US"/>
+              <a:rPr lang="en-US" smtClean="0"/>
               <a:t>Third level</a:t>
             </a:r>
           </a:p>
           <a:p>
             <a:pPr lvl="3"/>
             <a:r>
-              <a:rPr lang="en-US"/>
+              <a:rPr lang="en-US" smtClean="0"/>
               <a:t>Fourth level</a:t>
             </a:r>
           </a:p>
           <a:p>
             <a:pPr lvl="4"/>
             <a:r>
-              <a:rPr lang="en-US"/>
+              <a:rPr lang="en-US" smtClean="0"/>
               <a:t>Fifth level</a:t>
             </a:r>
+            <a:endParaRPr lang="en-US"/>
           </a:p>
         </p:txBody>
       </p:sp>
@@ -21558,9 +21559,10 @@
           <a:lstStyle/>
           <a:p>
             <a:r>
-              <a:rPr lang="en-US"/>
+              <a:rPr lang="en-US" smtClean="0"/>
               <a:t>Click to edit Master title style</a:t>
             </a:r>
+            <a:endParaRPr lang="en-US"/>
           </a:p>
         </p:txBody>
       </p:sp>
@@ -21676,9 +21678,10 @@
           </a:lstStyle>
           <a:p>
             <a:r>
-              <a:rPr lang="en-US"/>
+              <a:rPr lang="en-US" smtClean="0"/>
               <a:t>Click to edit Master subtitle style</a:t>
             </a:r>
+            <a:endParaRPr lang="en-US"/>
           </a:p>
         </p:txBody>
       </p:sp>
@@ -21699,7 +21702,7 @@
           <a:p>
             <a:fld id="{241EB5C9-1307-BA42-ABA2-0BC069CD8E7F}" type="datetimeFigureOut">
               <a:rPr lang="en-US" smtClean="0"/>
-              <a:t>12/30/2018</a:t>
+              <a:t>4/5/2019</a:t>
             </a:fld>
             <a:endParaRPr lang="en-US"/>
           </a:p>
@@ -21793,9 +21796,10 @@
           <a:lstStyle/>
           <a:p>
             <a:r>
-              <a:rPr lang="en-US"/>
+              <a:rPr lang="en-US" smtClean="0"/>
               <a:t>Click to edit Master title style</a:t>
             </a:r>
+            <a:endParaRPr lang="en-US"/>
           </a:p>
         </p:txBody>
       </p:sp>
@@ -21816,37 +21820,38 @@
           <a:p>
             <a:pPr lvl="0"/>
             <a:r>
-              <a:rPr lang="en-US"/>
+              <a:rPr lang="en-US" smtClean="0"/>
               <a:t>Click to edit Master text styles</a:t>
             </a:r>
           </a:p>
           <a:p>
             <a:pPr lvl="1"/>
             <a:r>
-              <a:rPr lang="en-US"/>
+              <a:rPr lang="en-US" smtClean="0"/>
               <a:t>Second level</a:t>
             </a:r>
           </a:p>
           <a:p>
             <a:pPr lvl="2"/>
             <a:r>
-              <a:rPr lang="en-US"/>
+              <a:rPr lang="en-US" smtClean="0"/>
               <a:t>Third level</a:t>
             </a:r>
           </a:p>
           <a:p>
             <a:pPr lvl="3"/>
             <a:r>
-              <a:rPr lang="en-US"/>
+              <a:rPr lang="en-US" smtClean="0"/>
               <a:t>Fourth level</a:t>
             </a:r>
           </a:p>
           <a:p>
             <a:pPr lvl="4"/>
             <a:r>
-              <a:rPr lang="en-US"/>
+              <a:rPr lang="en-US" smtClean="0"/>
               <a:t>Fifth level</a:t>
             </a:r>
+            <a:endParaRPr lang="en-US"/>
           </a:p>
         </p:txBody>
       </p:sp>
@@ -21867,7 +21872,7 @@
           <a:p>
             <a:fld id="{241EB5C9-1307-BA42-ABA2-0BC069CD8E7F}" type="datetimeFigureOut">
               <a:rPr lang="en-US" smtClean="0"/>
-              <a:t>12/30/2018</a:t>
+              <a:t>4/5/2019</a:t>
             </a:fld>
             <a:endParaRPr lang="en-US"/>
           </a:p>
@@ -21966,9 +21971,10 @@
           <a:lstStyle/>
           <a:p>
             <a:r>
-              <a:rPr lang="en-US"/>
+              <a:rPr lang="en-US" smtClean="0"/>
               <a:t>Click to edit Master title style</a:t>
             </a:r>
+            <a:endParaRPr lang="en-US"/>
           </a:p>
         </p:txBody>
       </p:sp>
@@ -21994,37 +22000,38 @@
           <a:p>
             <a:pPr lvl="0"/>
             <a:r>
-              <a:rPr lang="en-US"/>
+              <a:rPr lang="en-US" smtClean="0"/>
               <a:t>Click to edit Master text styles</a:t>
             </a:r>
           </a:p>
           <a:p>
             <a:pPr lvl="1"/>
             <a:r>
-              <a:rPr lang="en-US"/>
+              <a:rPr lang="en-US" smtClean="0"/>
               <a:t>Second level</a:t>
             </a:r>
           </a:p>
           <a:p>
             <a:pPr lvl="2"/>
             <a:r>
-              <a:rPr lang="en-US"/>
+              <a:rPr lang="en-US" smtClean="0"/>
               <a:t>Third level</a:t>
             </a:r>
           </a:p>
           <a:p>
             <a:pPr lvl="3"/>
             <a:r>
-              <a:rPr lang="en-US"/>
+              <a:rPr lang="en-US" smtClean="0"/>
               <a:t>Fourth level</a:t>
             </a:r>
           </a:p>
           <a:p>
             <a:pPr lvl="4"/>
             <a:r>
-              <a:rPr lang="en-US"/>
+              <a:rPr lang="en-US" smtClean="0"/>
               <a:t>Fifth level</a:t>
             </a:r>
+            <a:endParaRPr lang="en-US"/>
           </a:p>
         </p:txBody>
       </p:sp>
@@ -22045,7 +22052,7 @@
           <a:p>
             <a:fld id="{241EB5C9-1307-BA42-ABA2-0BC069CD8E7F}" type="datetimeFigureOut">
               <a:rPr lang="en-US" smtClean="0"/>
-              <a:t>12/30/2018</a:t>
+              <a:t>4/5/2019</a:t>
             </a:fld>
             <a:endParaRPr lang="en-US"/>
           </a:p>
@@ -22139,9 +22146,10 @@
           <a:lstStyle/>
           <a:p>
             <a:r>
-              <a:rPr lang="en-US"/>
+              <a:rPr lang="en-US" smtClean="0"/>
               <a:t>Click to edit Master title style</a:t>
             </a:r>
+            <a:endParaRPr lang="en-US"/>
           </a:p>
         </p:txBody>
       </p:sp>
@@ -22162,37 +22170,38 @@
           <a:p>
             <a:pPr lvl="0"/>
             <a:r>
-              <a:rPr lang="en-US"/>
+              <a:rPr lang="en-US" smtClean="0"/>
               <a:t>Click to edit Master text styles</a:t>
             </a:r>
           </a:p>
           <a:p>
             <a:pPr lvl="1"/>
             <a:r>
-              <a:rPr lang="en-US"/>
+              <a:rPr lang="en-US" smtClean="0"/>
               <a:t>Second level</a:t>
             </a:r>
           </a:p>
           <a:p>
             <a:pPr lvl="2"/>
             <a:r>
-              <a:rPr lang="en-US"/>
+              <a:rPr lang="en-US" smtClean="0"/>
               <a:t>Third level</a:t>
             </a:r>
           </a:p>
           <a:p>
             <a:pPr lvl="3"/>
             <a:r>
-              <a:rPr lang="en-US"/>
+              <a:rPr lang="en-US" smtClean="0"/>
               <a:t>Fourth level</a:t>
             </a:r>
           </a:p>
           <a:p>
             <a:pPr lvl="4"/>
             <a:r>
-              <a:rPr lang="en-US"/>
+              <a:rPr lang="en-US" smtClean="0"/>
               <a:t>Fifth level</a:t>
             </a:r>
+            <a:endParaRPr lang="en-US"/>
           </a:p>
         </p:txBody>
       </p:sp>
@@ -22213,7 +22222,7 @@
           <a:p>
             <a:fld id="{241EB5C9-1307-BA42-ABA2-0BC069CD8E7F}" type="datetimeFigureOut">
               <a:rPr lang="en-US" smtClean="0"/>
-              <a:t>12/30/2018</a:t>
+              <a:t>4/5/2019</a:t>
             </a:fld>
             <a:endParaRPr lang="en-US"/>
           </a:p>
@@ -22316,9 +22325,10 @@
           </a:lstStyle>
           <a:p>
             <a:r>
-              <a:rPr lang="en-US"/>
+              <a:rPr lang="en-US" smtClean="0"/>
               <a:t>Click to edit Master title style</a:t>
             </a:r>
+            <a:endParaRPr lang="en-US"/>
           </a:p>
         </p:txBody>
       </p:sp>
@@ -22435,7 +22445,7 @@
           <a:p>
             <a:pPr lvl="0"/>
             <a:r>
-              <a:rPr lang="en-US"/>
+              <a:rPr lang="en-US" smtClean="0"/>
               <a:t>Click to edit Master text styles</a:t>
             </a:r>
           </a:p>
@@ -22458,7 +22468,7 @@
           <a:p>
             <a:fld id="{241EB5C9-1307-BA42-ABA2-0BC069CD8E7F}" type="datetimeFigureOut">
               <a:rPr lang="en-US" smtClean="0"/>
-              <a:t>12/30/2018</a:t>
+              <a:t>4/5/2019</a:t>
             </a:fld>
             <a:endParaRPr lang="en-US"/>
           </a:p>
@@ -22552,9 +22562,10 @@
           <a:lstStyle/>
           <a:p>
             <a:r>
-              <a:rPr lang="en-US"/>
+              <a:rPr lang="en-US" smtClean="0"/>
               <a:t>Click to edit Master title style</a:t>
             </a:r>
+            <a:endParaRPr lang="en-US"/>
           </a:p>
         </p:txBody>
       </p:sp>
@@ -22608,37 +22619,38 @@
           <a:p>
             <a:pPr lvl="0"/>
             <a:r>
-              <a:rPr lang="en-US"/>
+              <a:rPr lang="en-US" smtClean="0"/>
               <a:t>Click to edit Master text styles</a:t>
             </a:r>
           </a:p>
           <a:p>
             <a:pPr lvl="1"/>
             <a:r>
-              <a:rPr lang="en-US"/>
+              <a:rPr lang="en-US" smtClean="0"/>
               <a:t>Second level</a:t>
             </a:r>
           </a:p>
           <a:p>
             <a:pPr lvl="2"/>
             <a:r>
-              <a:rPr lang="en-US"/>
+              <a:rPr lang="en-US" smtClean="0"/>
               <a:t>Third level</a:t>
             </a:r>
           </a:p>
           <a:p>
             <a:pPr lvl="3"/>
             <a:r>
-              <a:rPr lang="en-US"/>
+              <a:rPr lang="en-US" smtClean="0"/>
               <a:t>Fourth level</a:t>
             </a:r>
           </a:p>
           <a:p>
             <a:pPr lvl="4"/>
             <a:r>
-              <a:rPr lang="en-US"/>
+              <a:rPr lang="en-US" smtClean="0"/>
               <a:t>Fifth level</a:t>
             </a:r>
+            <a:endParaRPr lang="en-US"/>
           </a:p>
         </p:txBody>
       </p:sp>
@@ -22692,37 +22704,38 @@
           <a:p>
             <a:pPr lvl="0"/>
             <a:r>
-              <a:rPr lang="en-US"/>
+              <a:rPr lang="en-US" smtClean="0"/>
               <a:t>Click to edit Master text styles</a:t>
             </a:r>
           </a:p>
           <a:p>
             <a:pPr lvl="1"/>
             <a:r>
-              <a:rPr lang="en-US"/>
+              <a:rPr lang="en-US" smtClean="0"/>
               <a:t>Second level</a:t>
             </a:r>
           </a:p>
           <a:p>
             <a:pPr lvl="2"/>
             <a:r>
-              <a:rPr lang="en-US"/>
+              <a:rPr lang="en-US" smtClean="0"/>
               <a:t>Third level</a:t>
             </a:r>
           </a:p>
           <a:p>
             <a:pPr lvl="3"/>
             <a:r>
-              <a:rPr lang="en-US"/>
+              <a:rPr lang="en-US" smtClean="0"/>
               <a:t>Fourth level</a:t>
             </a:r>
           </a:p>
           <a:p>
             <a:pPr lvl="4"/>
             <a:r>
-              <a:rPr lang="en-US"/>
+              <a:rPr lang="en-US" smtClean="0"/>
               <a:t>Fifth level</a:t>
             </a:r>
+            <a:endParaRPr lang="en-US"/>
           </a:p>
         </p:txBody>
       </p:sp>
@@ -22743,7 +22756,7 @@
           <a:p>
             <a:fld id="{241EB5C9-1307-BA42-ABA2-0BC069CD8E7F}" type="datetimeFigureOut">
               <a:rPr lang="en-US" smtClean="0"/>
-              <a:t>12/30/2018</a:t>
+              <a:t>4/5/2019</a:t>
             </a:fld>
             <a:endParaRPr lang="en-US"/>
           </a:p>
@@ -22841,9 +22854,10 @@
           </a:lstStyle>
           <a:p>
             <a:r>
-              <a:rPr lang="en-US"/>
+              <a:rPr lang="en-US" smtClean="0"/>
               <a:t>Click to edit Master title style</a:t>
             </a:r>
+            <a:endParaRPr lang="en-US"/>
           </a:p>
         </p:txBody>
       </p:sp>
@@ -22906,7 +22920,7 @@
           <a:p>
             <a:pPr lvl="0"/>
             <a:r>
-              <a:rPr lang="en-US"/>
+              <a:rPr lang="en-US" smtClean="0"/>
               <a:t>Click to edit Master text styles</a:t>
             </a:r>
           </a:p>
@@ -22962,37 +22976,38 @@
           <a:p>
             <a:pPr lvl="0"/>
             <a:r>
-              <a:rPr lang="en-US"/>
+              <a:rPr lang="en-US" smtClean="0"/>
               <a:t>Click to edit Master text styles</a:t>
             </a:r>
           </a:p>
           <a:p>
             <a:pPr lvl="1"/>
             <a:r>
-              <a:rPr lang="en-US"/>
+              <a:rPr lang="en-US" smtClean="0"/>
               <a:t>Second level</a:t>
             </a:r>
           </a:p>
           <a:p>
             <a:pPr lvl="2"/>
             <a:r>
-              <a:rPr lang="en-US"/>
+              <a:rPr lang="en-US" smtClean="0"/>
               <a:t>Third level</a:t>
             </a:r>
           </a:p>
           <a:p>
             <a:pPr lvl="3"/>
             <a:r>
-              <a:rPr lang="en-US"/>
+              <a:rPr lang="en-US" smtClean="0"/>
               <a:t>Fourth level</a:t>
             </a:r>
           </a:p>
           <a:p>
             <a:pPr lvl="4"/>
             <a:r>
-              <a:rPr lang="en-US"/>
+              <a:rPr lang="en-US" smtClean="0"/>
               <a:t>Fifth level</a:t>
             </a:r>
+            <a:endParaRPr lang="en-US"/>
           </a:p>
         </p:txBody>
       </p:sp>
@@ -23055,7 +23070,7 @@
           <a:p>
             <a:pPr lvl="0"/>
             <a:r>
-              <a:rPr lang="en-US"/>
+              <a:rPr lang="en-US" smtClean="0"/>
               <a:t>Click to edit Master text styles</a:t>
             </a:r>
           </a:p>
@@ -23111,37 +23126,38 @@
           <a:p>
             <a:pPr lvl="0"/>
             <a:r>
-              <a:rPr lang="en-US"/>
+              <a:rPr lang="en-US" smtClean="0"/>
               <a:t>Click to edit Master text styles</a:t>
             </a:r>
           </a:p>
           <a:p>
             <a:pPr lvl="1"/>
             <a:r>
-              <a:rPr lang="en-US"/>
+              <a:rPr lang="en-US" smtClean="0"/>
               <a:t>Second level</a:t>
             </a:r>
           </a:p>
           <a:p>
             <a:pPr lvl="2"/>
             <a:r>
-              <a:rPr lang="en-US"/>
+              <a:rPr lang="en-US" smtClean="0"/>
               <a:t>Third level</a:t>
             </a:r>
           </a:p>
           <a:p>
             <a:pPr lvl="3"/>
             <a:r>
-              <a:rPr lang="en-US"/>
+              <a:rPr lang="en-US" smtClean="0"/>
               <a:t>Fourth level</a:t>
             </a:r>
           </a:p>
           <a:p>
             <a:pPr lvl="4"/>
             <a:r>
-              <a:rPr lang="en-US"/>
+              <a:rPr lang="en-US" smtClean="0"/>
               <a:t>Fifth level</a:t>
             </a:r>
+            <a:endParaRPr lang="en-US"/>
           </a:p>
         </p:txBody>
       </p:sp>
@@ -23162,7 +23178,7 @@
           <a:p>
             <a:fld id="{241EB5C9-1307-BA42-ABA2-0BC069CD8E7F}" type="datetimeFigureOut">
               <a:rPr lang="en-US" smtClean="0"/>
-              <a:t>12/30/2018</a:t>
+              <a:t>4/5/2019</a:t>
             </a:fld>
             <a:endParaRPr lang="en-US"/>
           </a:p>
@@ -23256,9 +23272,10 @@
           <a:lstStyle/>
           <a:p>
             <a:r>
-              <a:rPr lang="en-US"/>
+              <a:rPr lang="en-US" smtClean="0"/>
               <a:t>Click to edit Master title style</a:t>
             </a:r>
+            <a:endParaRPr lang="en-US"/>
           </a:p>
         </p:txBody>
       </p:sp>
@@ -23279,7 +23296,7 @@
           <a:p>
             <a:fld id="{241EB5C9-1307-BA42-ABA2-0BC069CD8E7F}" type="datetimeFigureOut">
               <a:rPr lang="en-US" smtClean="0"/>
-              <a:t>12/30/2018</a:t>
+              <a:t>4/5/2019</a:t>
             </a:fld>
             <a:endParaRPr lang="en-US"/>
           </a:p>
@@ -23374,7 +23391,7 @@
           <a:p>
             <a:fld id="{241EB5C9-1307-BA42-ABA2-0BC069CD8E7F}" type="datetimeFigureOut">
               <a:rPr lang="en-US" smtClean="0"/>
-              <a:t>12/30/2018</a:t>
+              <a:t>4/5/2019</a:t>
             </a:fld>
             <a:endParaRPr lang="en-US"/>
           </a:p>
@@ -23477,9 +23494,10 @@
           </a:lstStyle>
           <a:p>
             <a:r>
-              <a:rPr lang="en-US"/>
+              <a:rPr lang="en-US" smtClean="0"/>
               <a:t>Click to edit Master title style</a:t>
             </a:r>
+            <a:endParaRPr lang="en-US"/>
           </a:p>
         </p:txBody>
       </p:sp>
@@ -23533,37 +23551,38 @@
           <a:p>
             <a:pPr lvl="0"/>
             <a:r>
-              <a:rPr lang="en-US"/>
+              <a:rPr lang="en-US" smtClean="0"/>
               <a:t>Click to edit Master text styles</a:t>
             </a:r>
           </a:p>
           <a:p>
             <a:pPr lvl="1"/>
             <a:r>
-              <a:rPr lang="en-US"/>
+              <a:rPr lang="en-US" smtClean="0"/>
               <a:t>Second level</a:t>
             </a:r>
           </a:p>
           <a:p>
             <a:pPr lvl="2"/>
             <a:r>
-              <a:rPr lang="en-US"/>
+              <a:rPr lang="en-US" smtClean="0"/>
               <a:t>Third level</a:t>
             </a:r>
           </a:p>
           <a:p>
             <a:pPr lvl="3"/>
             <a:r>
-              <a:rPr lang="en-US"/>
+              <a:rPr lang="en-US" smtClean="0"/>
               <a:t>Fourth level</a:t>
             </a:r>
           </a:p>
           <a:p>
             <a:pPr lvl="4"/>
             <a:r>
-              <a:rPr lang="en-US"/>
+              <a:rPr lang="en-US" smtClean="0"/>
               <a:t>Fifth level</a:t>
             </a:r>
+            <a:endParaRPr lang="en-US"/>
           </a:p>
         </p:txBody>
       </p:sp>
@@ -23626,7 +23645,7 @@
           <a:p>
             <a:pPr lvl="0"/>
             <a:r>
-              <a:rPr lang="en-US"/>
+              <a:rPr lang="en-US" smtClean="0"/>
               <a:t>Click to edit Master text styles</a:t>
             </a:r>
           </a:p>
@@ -23649,7 +23668,7 @@
           <a:p>
             <a:fld id="{241EB5C9-1307-BA42-ABA2-0BC069CD8E7F}" type="datetimeFigureOut">
               <a:rPr lang="en-US" smtClean="0"/>
-              <a:t>12/30/2018</a:t>
+              <a:t>4/5/2019</a:t>
             </a:fld>
             <a:endParaRPr lang="en-US"/>
           </a:p>
@@ -23752,9 +23771,10 @@
           </a:lstStyle>
           <a:p>
             <a:r>
-              <a:rPr lang="en-US"/>
+              <a:rPr lang="en-US" smtClean="0"/>
               <a:t>Click to edit Master title style</a:t>
             </a:r>
+            <a:endParaRPr lang="en-US"/>
           </a:p>
         </p:txBody>
       </p:sp>
@@ -23878,7 +23898,7 @@
           <a:p>
             <a:pPr lvl="0"/>
             <a:r>
-              <a:rPr lang="en-US"/>
+              <a:rPr lang="en-US" smtClean="0"/>
               <a:t>Click to edit Master text styles</a:t>
             </a:r>
           </a:p>
@@ -23901,7 +23921,7 @@
           <a:p>
             <a:fld id="{241EB5C9-1307-BA42-ABA2-0BC069CD8E7F}" type="datetimeFigureOut">
               <a:rPr lang="en-US" smtClean="0"/>
-              <a:t>12/30/2018</a:t>
+              <a:t>4/5/2019</a:t>
             </a:fld>
             <a:endParaRPr lang="en-US"/>
           </a:p>
@@ -24010,9 +24030,10 @@
           <a:lstStyle/>
           <a:p>
             <a:r>
-              <a:rPr lang="en-US"/>
+              <a:rPr lang="en-US" smtClean="0"/>
               <a:t>Click to edit Master title style</a:t>
             </a:r>
+            <a:endParaRPr lang="en-US"/>
           </a:p>
         </p:txBody>
       </p:sp>
@@ -24043,37 +24064,38 @@
           <a:p>
             <a:pPr lvl="0"/>
             <a:r>
-              <a:rPr lang="en-US"/>
+              <a:rPr lang="en-US" smtClean="0"/>
               <a:t>Click to edit Master text styles</a:t>
             </a:r>
           </a:p>
           <a:p>
             <a:pPr lvl="1"/>
             <a:r>
-              <a:rPr lang="en-US"/>
+              <a:rPr lang="en-US" smtClean="0"/>
               <a:t>Second level</a:t>
             </a:r>
           </a:p>
           <a:p>
             <a:pPr lvl="2"/>
             <a:r>
-              <a:rPr lang="en-US"/>
+              <a:rPr lang="en-US" smtClean="0"/>
               <a:t>Third level</a:t>
             </a:r>
           </a:p>
           <a:p>
             <a:pPr lvl="3"/>
             <a:r>
-              <a:rPr lang="en-US"/>
+              <a:rPr lang="en-US" smtClean="0"/>
               <a:t>Fourth level</a:t>
             </a:r>
           </a:p>
           <a:p>
             <a:pPr lvl="4"/>
             <a:r>
-              <a:rPr lang="en-US"/>
+              <a:rPr lang="en-US" smtClean="0"/>
               <a:t>Fifth level</a:t>
             </a:r>
+            <a:endParaRPr lang="en-US"/>
           </a:p>
         </p:txBody>
       </p:sp>
@@ -24112,7 +24134,7 @@
           <a:p>
             <a:fld id="{241EB5C9-1307-BA42-ABA2-0BC069CD8E7F}" type="datetimeFigureOut">
               <a:rPr lang="en-US" smtClean="0"/>
-              <a:t>12/30/2018</a:t>
+              <a:t>4/5/2019</a:t>
             </a:fld>
             <a:endParaRPr lang="en-US"/>
           </a:p>

--- a/clinical-research-methodology/results/video01-introduction.pptx
+++ b/clinical-research-methodology/results/video01-introduction.pptx
@@ -1,6 +1,6 @@
 
 <file path=ppt/presentation.xml><?xml version="1.0" encoding="utf-8"?>
-<p:presentation xmlns:a="http://schemas.openxmlformats.org/drawingml/2006/main" xmlns:p="http://schemas.openxmlformats.org/presentationml/2006/main" xmlns:r="http://schemas.openxmlformats.org/officeDocument/2006/relationships" autoCompressPictures="0" saveSubsetFonts="1">
+<p:presentation xmlns:a="http://schemas.openxmlformats.org/drawingml/2006/main" xmlns:r="http://schemas.openxmlformats.org/officeDocument/2006/relationships" xmlns:p="http://schemas.openxmlformats.org/presentationml/2006/main" saveSubsetFonts="1" autoCompressPictures="0">
   <p:sldMasterIdLst>
     <p:sldMasterId id="2147483648" r:id="rId1"/>
   </p:sldMasterIdLst>
@@ -46,8 +46,8 @@
     <a:defPPr>
       <a:defRPr lang="en-US"/>
     </a:defPPr>
-    <a:lvl1pPr algn="l" defTabSz="457200" eaLnBrk="1" hangingPunct="1" latinLnBrk="0" marL="0" rtl="0">
-      <a:defRPr kern="1200" sz="1800">
+    <a:lvl1pPr marL="0" algn="l" defTabSz="457200" rtl="0" eaLnBrk="1" latinLnBrk="0" hangingPunct="1">
+      <a:defRPr sz="1800" kern="1200">
         <a:solidFill>
           <a:schemeClr val="tx1"/>
         </a:solidFill>
@@ -56,8 +56,8 @@
         <a:cs typeface="+mn-cs"/>
       </a:defRPr>
     </a:lvl1pPr>
-    <a:lvl2pPr algn="l" defTabSz="457200" eaLnBrk="1" hangingPunct="1" latinLnBrk="0" marL="457200" rtl="0">
-      <a:defRPr kern="1200" sz="1800">
+    <a:lvl2pPr marL="457200" algn="l" defTabSz="457200" rtl="0" eaLnBrk="1" latinLnBrk="0" hangingPunct="1">
+      <a:defRPr sz="1800" kern="1200">
         <a:solidFill>
           <a:schemeClr val="tx1"/>
         </a:solidFill>
@@ -66,8 +66,8 @@
         <a:cs typeface="+mn-cs"/>
       </a:defRPr>
     </a:lvl2pPr>
-    <a:lvl3pPr algn="l" defTabSz="457200" eaLnBrk="1" hangingPunct="1" latinLnBrk="0" marL="914400" rtl="0">
-      <a:defRPr kern="1200" sz="1800">
+    <a:lvl3pPr marL="914400" algn="l" defTabSz="457200" rtl="0" eaLnBrk="1" latinLnBrk="0" hangingPunct="1">
+      <a:defRPr sz="1800" kern="1200">
         <a:solidFill>
           <a:schemeClr val="tx1"/>
         </a:solidFill>
@@ -76,8 +76,8 @@
         <a:cs typeface="+mn-cs"/>
       </a:defRPr>
     </a:lvl3pPr>
-    <a:lvl4pPr algn="l" defTabSz="457200" eaLnBrk="1" hangingPunct="1" latinLnBrk="0" marL="1371600" rtl="0">
-      <a:defRPr kern="1200" sz="1800">
+    <a:lvl4pPr marL="1371600" algn="l" defTabSz="457200" rtl="0" eaLnBrk="1" latinLnBrk="0" hangingPunct="1">
+      <a:defRPr sz="1800" kern="1200">
         <a:solidFill>
           <a:schemeClr val="tx1"/>
         </a:solidFill>
@@ -86,8 +86,8 @@
         <a:cs typeface="+mn-cs"/>
       </a:defRPr>
     </a:lvl4pPr>
-    <a:lvl5pPr algn="l" defTabSz="457200" eaLnBrk="1" hangingPunct="1" latinLnBrk="0" marL="1828800" rtl="0">
-      <a:defRPr kern="1200" sz="1800">
+    <a:lvl5pPr marL="1828800" algn="l" defTabSz="457200" rtl="0" eaLnBrk="1" latinLnBrk="0" hangingPunct="1">
+      <a:defRPr sz="1800" kern="1200">
         <a:solidFill>
           <a:schemeClr val="tx1"/>
         </a:solidFill>
@@ -96,8 +96,8 @@
         <a:cs typeface="+mn-cs"/>
       </a:defRPr>
     </a:lvl5pPr>
-    <a:lvl6pPr algn="l" defTabSz="457200" eaLnBrk="1" hangingPunct="1" latinLnBrk="0" marL="2286000" rtl="0">
-      <a:defRPr kern="1200" sz="1800">
+    <a:lvl6pPr marL="2286000" algn="l" defTabSz="457200" rtl="0" eaLnBrk="1" latinLnBrk="0" hangingPunct="1">
+      <a:defRPr sz="1800" kern="1200">
         <a:solidFill>
           <a:schemeClr val="tx1"/>
         </a:solidFill>
@@ -106,8 +106,8 @@
         <a:cs typeface="+mn-cs"/>
       </a:defRPr>
     </a:lvl6pPr>
-    <a:lvl7pPr algn="l" defTabSz="457200" eaLnBrk="1" hangingPunct="1" latinLnBrk="0" marL="2743200" rtl="0">
-      <a:defRPr kern="1200" sz="1800">
+    <a:lvl7pPr marL="2743200" algn="l" defTabSz="457200" rtl="0" eaLnBrk="1" latinLnBrk="0" hangingPunct="1">
+      <a:defRPr sz="1800" kern="1200">
         <a:solidFill>
           <a:schemeClr val="tx1"/>
         </a:solidFill>
@@ -116,8 +116,8 @@
         <a:cs typeface="+mn-cs"/>
       </a:defRPr>
     </a:lvl7pPr>
-    <a:lvl8pPr algn="l" defTabSz="457200" eaLnBrk="1" hangingPunct="1" latinLnBrk="0" marL="3200400" rtl="0">
-      <a:defRPr kern="1200" sz="1800">
+    <a:lvl8pPr marL="3200400" algn="l" defTabSz="457200" rtl="0" eaLnBrk="1" latinLnBrk="0" hangingPunct="1">
+      <a:defRPr sz="1800" kern="1200">
         <a:solidFill>
           <a:schemeClr val="tx1"/>
         </a:solidFill>
@@ -126,8 +126,8 @@
         <a:cs typeface="+mn-cs"/>
       </a:defRPr>
     </a:lvl8pPr>
-    <a:lvl9pPr algn="l" defTabSz="457200" eaLnBrk="1" hangingPunct="1" latinLnBrk="0" marL="3657600" rtl="0">
-      <a:defRPr kern="1200" sz="1800">
+    <a:lvl9pPr marL="3657600" algn="l" defTabSz="457200" rtl="0" eaLnBrk="1" latinLnBrk="0" hangingPunct="1">
+      <a:defRPr sz="1800" kern="1200">
         <a:solidFill>
           <a:schemeClr val="tx1"/>
         </a:solidFill>
@@ -65287,7 +65287,7 @@
             <a:spLocks noGrp="1"/>
           </p:cNvSpPr>
           <p:nvPr>
-            <p:ph idx="1" type="subTitle"/>
+            <p:ph type="subTitle" idx="1"/>
           </p:nvPr>
         </p:nvSpPr>
         <p:spPr>
@@ -67915,7 +67915,7 @@
             <a:pPr lvl="1"/>
             <a:r>
               <a:rPr/>
-              <a:t>” systematic investigation, including research development, testing, and evaluation, designed to develop or contribute to generalizable knowledge”</a:t>
+              <a:t>" systematic investigation, including research development, testing, and evaluation, designed to develop or contribute to generalizable knowledge"</a:t>
             </a:r>
           </a:p>
           <a:p>
